--- a/modules/week06/slides-06.pptx
+++ b/modules/week06/slides-06.pptx
@@ -6,54 +6,44 @@
     <p:sldMasterId id="2147483673" r:id="rId2"/>
   </p:sldMasterIdLst>
   <p:notesMasterIdLst>
-    <p:notesMasterId r:id="rId10"/>
+    <p:notesMasterId r:id="rId7"/>
   </p:notesMasterIdLst>
   <p:sldIdLst>
     <p:sldId id="256" r:id="rId3"/>
     <p:sldId id="257" r:id="rId4"/>
-    <p:sldId id="262" r:id="rId5"/>
-    <p:sldId id="263" r:id="rId6"/>
-    <p:sldId id="266" r:id="rId7"/>
-    <p:sldId id="264" r:id="rId8"/>
-    <p:sldId id="265" r:id="rId9"/>
+    <p:sldId id="266" r:id="rId5"/>
+    <p:sldId id="265" r:id="rId6"/>
   </p:sldIdLst>
   <p:sldSz cx="9144000" cy="5143500" type="screen16x9"/>
   <p:notesSz cx="6858000" cy="9144000"/>
   <p:embeddedFontLst>
     <p:embeddedFont>
       <p:font typeface="Avenir" panose="02000503020000020003" pitchFamily="2" charset="0"/>
-      <p:regular r:id="rId11"/>
-      <p:italic r:id="rId12"/>
+      <p:regular r:id="rId8"/>
+      <p:italic r:id="rId9"/>
     </p:embeddedFont>
     <p:embeddedFont>
       <p:font typeface="Avenir Book" panose="02000503020000020003" pitchFamily="2" charset="0"/>
-      <p:regular r:id="rId13"/>
-      <p:italic r:id="rId14"/>
-    </p:embeddedFont>
-    <p:embeddedFont>
-      <p:font typeface="Calibri" panose="020F0502020204030204" pitchFamily="34" charset="0"/>
-      <p:regular r:id="rId15"/>
-      <p:bold r:id="rId16"/>
-      <p:italic r:id="rId17"/>
-      <p:boldItalic r:id="rId18"/>
+      <p:regular r:id="rId10"/>
+      <p:italic r:id="rId11"/>
     </p:embeddedFont>
     <p:embeddedFont>
       <p:font typeface="Century Gothic" panose="020B0502020202020204" pitchFamily="34" charset="0"/>
-      <p:regular r:id="rId19"/>
-      <p:bold r:id="rId20"/>
-      <p:italic r:id="rId21"/>
-      <p:boldItalic r:id="rId22"/>
+      <p:regular r:id="rId12"/>
+      <p:bold r:id="rId13"/>
+      <p:italic r:id="rId14"/>
+      <p:boldItalic r:id="rId15"/>
     </p:embeddedFont>
     <p:embeddedFont>
       <p:font typeface="Lobster" pitchFamily="2" charset="77"/>
-      <p:regular r:id="rId23"/>
+      <p:regular r:id="rId16"/>
     </p:embeddedFont>
     <p:embeddedFont>
       <p:font typeface="Nunito Sans" pitchFamily="2" charset="77"/>
-      <p:regular r:id="rId24"/>
-      <p:bold r:id="rId25"/>
-      <p:italic r:id="rId26"/>
-      <p:boldItalic r:id="rId27"/>
+      <p:regular r:id="rId17"/>
+      <p:bold r:id="rId18"/>
+      <p:italic r:id="rId19"/>
+      <p:boldItalic r:id="rId20"/>
     </p:embeddedFont>
   </p:embeddedFontLst>
   <p:defaultTextStyle>
@@ -952,11 +942,11 @@
 </file>
 
 <file path=ppt/notesSlides/notesSlide3.xml><?xml version="1.0" encoding="utf-8"?>
-<p:notes xmlns:a="http://schemas.openxmlformats.org/drawingml/2006/main" xmlns:r="http://schemas.openxmlformats.org/officeDocument/2006/relationships" xmlns:p="http://schemas.openxmlformats.org/presentationml/2006/main">
+<p:notes xmlns:a="http://schemas.openxmlformats.org/drawingml/2006/main" xmlns:r="http://schemas.openxmlformats.org/officeDocument/2006/relationships" xmlns:p="http://schemas.openxmlformats.org/presentationml/2006/main" showMasterSp="0" showMasterPhAnim="0">
   <p:cSld>
     <p:spTree>
       <p:nvGrpSpPr>
-        <p:cNvPr id="1" name=""/>
+        <p:cNvPr id="1" name="Shape 142"/>
         <p:cNvGrpSpPr/>
         <p:nvPr/>
       </p:nvGrpSpPr>
@@ -970,12 +960,12 @@
       </p:grpSpPr>
       <p:sp>
         <p:nvSpPr>
-          <p:cNvPr id="2" name="Slide Image Placeholder 1"/>
+          <p:cNvPr id="143" name="Google Shape;143;g2231e351ad2_0_244:notes"/>
           <p:cNvSpPr>
             <a:spLocks noGrp="1" noRot="1" noChangeAspect="1"/>
           </p:cNvSpPr>
           <p:nvPr>
-            <p:ph type="sldImg"/>
+            <p:ph type="sldImg" idx="2"/>
           </p:nvPr>
         </p:nvSpPr>
         <p:spPr>
@@ -983,42 +973,73 @@
             <a:off x="381000" y="685800"/>
             <a:ext cx="6096000" cy="3429000"/>
           </a:xfrm>
+          <a:custGeom>
+            <a:avLst/>
+            <a:gdLst/>
+            <a:ahLst/>
+            <a:cxnLst/>
+            <a:rect l="l" t="t" r="r" b="b"/>
+            <a:pathLst>
+              <a:path w="120000" h="120000" extrusionOk="0">
+                <a:moveTo>
+                  <a:pt x="0" y="0"/>
+                </a:moveTo>
+                <a:lnTo>
+                  <a:pt x="120000" y="0"/>
+                </a:lnTo>
+                <a:lnTo>
+                  <a:pt x="120000" y="120000"/>
+                </a:lnTo>
+                <a:lnTo>
+                  <a:pt x="0" y="120000"/>
+                </a:lnTo>
+                <a:close/>
+              </a:path>
+            </a:pathLst>
+          </a:custGeom>
         </p:spPr>
       </p:sp>
       <p:sp>
         <p:nvSpPr>
-          <p:cNvPr id="3" name="Notes Placeholder 2"/>
-          <p:cNvSpPr>
+          <p:cNvPr id="144" name="Google Shape;144;g2231e351ad2_0_244:notes"/>
+          <p:cNvSpPr txBox="1">
             <a:spLocks noGrp="1"/>
           </p:cNvSpPr>
           <p:nvPr>
             <p:ph type="body" idx="1"/>
           </p:nvPr>
         </p:nvSpPr>
-        <p:spPr/>
+        <p:spPr>
+          <a:xfrm>
+            <a:off x="685800" y="4343400"/>
+            <a:ext cx="5486400" cy="4114800"/>
+          </a:xfrm>
+          <a:prstGeom prst="rect">
+            <a:avLst/>
+          </a:prstGeom>
+        </p:spPr>
         <p:txBody>
-          <a:bodyPr/>
+          <a:bodyPr spcFirstLastPara="1" wrap="square" lIns="91425" tIns="91425" rIns="91425" bIns="91425" anchor="t" anchorCtr="0">
+            <a:noAutofit/>
+          </a:bodyPr>
           <a:lstStyle/>
           <a:p>
-            <a:r>
-              <a:rPr lang="en-US" dirty="0"/>
-              <a:t>Are these queries equivalent?  What would have to be true for them to be equivalent?  (Answer: Code, </a:t>
-            </a:r>
-            <a:r>
-              <a:rPr lang="en-US" dirty="0" err="1"/>
-              <a:t>Scientific_name</a:t>
-            </a:r>
-            <a:r>
-              <a:rPr lang="en-US" dirty="0"/>
-              <a:t> must have 1-1 relationship.)</a:t>
-            </a:r>
+            <a:pPr marL="171450" lvl="0" indent="-171450" algn="l" rtl="0">
+              <a:spcBef>
+                <a:spcPts val="0"/>
+              </a:spcBef>
+              <a:spcAft>
+                <a:spcPts val="0"/>
+              </a:spcAft>
+            </a:pPr>
+            <a:endParaRPr dirty="0"/>
           </a:p>
         </p:txBody>
       </p:sp>
     </p:spTree>
     <p:extLst>
       <p:ext uri="{BB962C8B-B14F-4D97-AF65-F5344CB8AC3E}">
-        <p14:creationId xmlns:p14="http://schemas.microsoft.com/office/powerpoint/2010/main" val="2857909833"/>
+        <p14:creationId xmlns:p14="http://schemas.microsoft.com/office/powerpoint/2010/main" val="3843803144"/>
       </p:ext>
     </p:extLst>
   </p:cSld>
@@ -15176,23 +15197,21 @@
           <a:p>
             <a:r>
               <a:rPr lang="en-US" dirty="0"/>
-              <a:t>Review: understand how the data model relates to queries</a:t>
-            </a:r>
-          </a:p>
-          <a:p>
-            <a:pPr lvl="1"/>
-            <a:endParaRPr lang="en-US" dirty="0"/>
-          </a:p>
-          <a:p>
-            <a:r>
-              <a:rPr lang="en-US" dirty="0"/>
               <a:t>Understand the basic database programming model</a:t>
             </a:r>
           </a:p>
           <a:p>
             <a:r>
               <a:rPr lang="en-US" dirty="0"/>
-              <a:t>Access an SQLite database from Python and R</a:t>
+              <a:t>Access an </a:t>
+            </a:r>
+            <a:r>
+              <a:rPr lang="en-US" dirty="0" err="1"/>
+              <a:t>DuckDB</a:t>
+            </a:r>
+            <a:r>
+              <a:rPr lang="en-US" dirty="0"/>
+              <a:t> database from Python and R</a:t>
             </a:r>
           </a:p>
           <a:p>
@@ -15262,7 +15281,7 @@
   <p:cSld>
     <p:spTree>
       <p:nvGrpSpPr>
-        <p:cNvPr id="1" name=""/>
+        <p:cNvPr id="1" name="Shape 145"/>
         <p:cNvGrpSpPr/>
         <p:nvPr/>
       </p:nvGrpSpPr>
@@ -15276,10 +15295,10 @@
       </p:grpSpPr>
       <p:sp>
         <p:nvSpPr>
-          <p:cNvPr id="2" name="Title 1">
+          <p:cNvPr id="5" name="Title 4">
             <a:extLst>
               <a:ext uri="{FF2B5EF4-FFF2-40B4-BE49-F238E27FC236}">
-                <a16:creationId xmlns:a16="http://schemas.microsoft.com/office/drawing/2014/main" id="{D9A8310D-0028-3C86-EF82-616755EC185F}"/>
+                <a16:creationId xmlns:a16="http://schemas.microsoft.com/office/drawing/2014/main" id="{F1DD394F-4238-CED7-B93B-79FEC9EF9F10}"/>
               </a:ext>
             </a:extLst>
           </p:cNvPr>
@@ -15297,17 +15316,17 @@
           <a:p>
             <a:r>
               <a:rPr lang="en-US" dirty="0"/>
-              <a:t>A tale of two queries</a:t>
+              <a:t>Programming with databases─ when?</a:t>
             </a:r>
           </a:p>
         </p:txBody>
       </p:sp>
       <p:sp>
         <p:nvSpPr>
-          <p:cNvPr id="3" name="Text Placeholder 2">
+          <p:cNvPr id="6" name="Text Placeholder 5">
             <a:extLst>
               <a:ext uri="{FF2B5EF4-FFF2-40B4-BE49-F238E27FC236}">
-                <a16:creationId xmlns:a16="http://schemas.microsoft.com/office/drawing/2014/main" id="{0E6FE6A6-33C7-E05D-AC6A-04065B23CB6D}"/>
+                <a16:creationId xmlns:a16="http://schemas.microsoft.com/office/drawing/2014/main" id="{2A92C8E0-AA8D-FED6-880C-601DDECD533B}"/>
               </a:ext>
             </a:extLst>
           </p:cNvPr>
@@ -15325,7 +15344,14 @@
           <a:p>
             <a:r>
               <a:rPr lang="en-US" dirty="0"/>
-              <a:t>Recall homework from week 3: “List the scientific names of bird species in descending order of their maximum average egg volumes”</a:t>
+              <a:t>Pull data out from database to support analysis</a:t>
+            </a:r>
+          </a:p>
+          <a:p>
+            <a:pPr lvl="1"/>
+            <a:r>
+              <a:rPr lang="en-US" dirty="0"/>
+              <a:t>Alternative to exporting data as CSV</a:t>
             </a:r>
           </a:p>
           <a:p>
@@ -15334,44 +15360,19 @@
           </a:p>
           <a:p>
             <a:r>
-              <a:rPr lang="en-US" dirty="0">
-                <a:latin typeface="Courier New" panose="02070309020205020404" pitchFamily="49" charset="0"/>
-                <a:cs typeface="Courier New" panose="02070309020205020404" pitchFamily="49" charset="0"/>
-              </a:rPr>
-              <a:t>SELECT </a:t>
+              <a:rPr lang="en-US" dirty="0"/>
+              <a:t>Support application</a:t>
+            </a:r>
+          </a:p>
+          <a:p>
+            <a:pPr lvl="1"/>
+            <a:r>
+              <a:rPr lang="en-US" dirty="0"/>
+              <a:t>E.g</a:t>
             </a:r>
             <a:r>
-              <a:rPr lang="en-US" dirty="0" err="1">
-                <a:latin typeface="Courier New" panose="02070309020205020404" pitchFamily="49" charset="0"/>
-                <a:cs typeface="Courier New" panose="02070309020205020404" pitchFamily="49" charset="0"/>
-              </a:rPr>
-              <a:t>Scientific_name</a:t>
-            </a:r>
-            <a:br>
-              <a:rPr lang="en-US" dirty="0">
-                <a:latin typeface="Courier New" panose="02070309020205020404" pitchFamily="49" charset="0"/>
-                <a:cs typeface="Courier New" panose="02070309020205020404" pitchFamily="49" charset="0"/>
-              </a:rPr>
-            </a:br>
-            <a:r>
-              <a:rPr lang="en-US" dirty="0">
-                <a:latin typeface="Courier New" panose="02070309020205020404" pitchFamily="49" charset="0"/>
-                <a:cs typeface="Courier New" panose="02070309020205020404" pitchFamily="49" charset="0"/>
-              </a:rPr>
-              <a:t>    FROM Species</a:t>
-            </a:r>
-            <a:br>
-              <a:rPr lang="en-US" dirty="0">
-                <a:latin typeface="Courier New" panose="02070309020205020404" pitchFamily="49" charset="0"/>
-                <a:cs typeface="Courier New" panose="02070309020205020404" pitchFamily="49" charset="0"/>
-              </a:rPr>
-            </a:br>
-            <a:r>
-              <a:rPr lang="en-US" dirty="0">
-                <a:latin typeface="Courier New" panose="02070309020205020404" pitchFamily="49" charset="0"/>
-                <a:cs typeface="Courier New" panose="02070309020205020404" pitchFamily="49" charset="0"/>
-              </a:rPr>
-              <a:t>    GROUP BY Code</a:t>
+              <a:rPr lang="en-US"/>
+              <a:t>., Shiny</a:t>
             </a:r>
           </a:p>
           <a:p>
@@ -15380,71 +15381,32 @@
           </a:p>
           <a:p>
             <a:r>
-              <a:rPr lang="en-US" dirty="0">
-                <a:latin typeface="Courier New" panose="02070309020205020404" pitchFamily="49" charset="0"/>
-                <a:cs typeface="Courier New" panose="02070309020205020404" pitchFamily="49" charset="0"/>
-              </a:rPr>
-              <a:t>SELECT </a:t>
+              <a:rPr lang="en-US" dirty="0"/>
+              <a:t>Not:</a:t>
             </a:r>
-            <a:r>
-              <a:rPr lang="en-US" dirty="0" err="1">
-                <a:latin typeface="Courier New" panose="02070309020205020404" pitchFamily="49" charset="0"/>
-                <a:cs typeface="Courier New" panose="02070309020205020404" pitchFamily="49" charset="0"/>
-              </a:rPr>
-              <a:t>Scientific_name</a:t>
-            </a:r>
-            <a:br>
-              <a:rPr lang="en-US" dirty="0">
-                <a:latin typeface="Courier New" panose="02070309020205020404" pitchFamily="49" charset="0"/>
-                <a:cs typeface="Courier New" panose="02070309020205020404" pitchFamily="49" charset="0"/>
-              </a:rPr>
-            </a:br>
-            <a:r>
-              <a:rPr lang="en-US" dirty="0">
-                <a:latin typeface="Courier New" panose="02070309020205020404" pitchFamily="49" charset="0"/>
-                <a:cs typeface="Courier New" panose="02070309020205020404" pitchFamily="49" charset="0"/>
-              </a:rPr>
-              <a:t>    FROM Species</a:t>
-            </a:r>
-            <a:br>
-              <a:rPr lang="en-US" dirty="0">
-                <a:latin typeface="Courier New" panose="02070309020205020404" pitchFamily="49" charset="0"/>
-                <a:cs typeface="Courier New" panose="02070309020205020404" pitchFamily="49" charset="0"/>
-              </a:rPr>
-            </a:br>
-            <a:r>
-              <a:rPr lang="en-US" dirty="0">
-                <a:latin typeface="Courier New" panose="02070309020205020404" pitchFamily="49" charset="0"/>
-                <a:cs typeface="Courier New" panose="02070309020205020404" pitchFamily="49" charset="0"/>
-              </a:rPr>
-              <a:t>    GROUP BY </a:t>
-            </a:r>
-            <a:r>
-              <a:rPr lang="en-US" dirty="0" err="1">
-                <a:latin typeface="Courier New" panose="02070309020205020404" pitchFamily="49" charset="0"/>
-                <a:cs typeface="Courier New" panose="02070309020205020404" pitchFamily="49" charset="0"/>
-              </a:rPr>
-              <a:t>Scientific_name</a:t>
-            </a:r>
-            <a:endParaRPr lang="en-US" dirty="0">
-              <a:latin typeface="Courier New" panose="02070309020205020404" pitchFamily="49" charset="0"/>
-              <a:cs typeface="Courier New" panose="02070309020205020404" pitchFamily="49" charset="0"/>
-            </a:endParaRPr>
           </a:p>
           <a:p>
             <a:pPr lvl="1"/>
-            <a:endParaRPr lang="en-US" dirty="0">
-              <a:latin typeface="Avenir Book" panose="02000503020000020003" pitchFamily="2" charset="0"/>
-            </a:endParaRPr>
+            <a:r>
+              <a:rPr lang="en-US" dirty="0"/>
+              <a:t>To explore data, data model</a:t>
+            </a:r>
+          </a:p>
+          <a:p>
+            <a:pPr lvl="1"/>
+            <a:r>
+              <a:rPr lang="en-US" dirty="0"/>
+              <a:t>Manage data</a:t>
+            </a:r>
           </a:p>
         </p:txBody>
       </p:sp>
       <p:sp>
         <p:nvSpPr>
-          <p:cNvPr id="4" name="Slide Number Placeholder 3">
+          <p:cNvPr id="7" name="Slide Number Placeholder 6">
             <a:extLst>
               <a:ext uri="{FF2B5EF4-FFF2-40B4-BE49-F238E27FC236}">
-                <a16:creationId xmlns:a16="http://schemas.microsoft.com/office/drawing/2014/main" id="{22E165A6-4772-6692-ED40-2438750412D5}"/>
+                <a16:creationId xmlns:a16="http://schemas.microsoft.com/office/drawing/2014/main" id="{CB1183F7-8A39-501D-ED5D-4756FC7BCA23}"/>
               </a:ext>
             </a:extLst>
           </p:cNvPr>
@@ -15480,7 +15442,7 @@
     </p:spTree>
     <p:extLst>
       <p:ext uri="{BB962C8B-B14F-4D97-AF65-F5344CB8AC3E}">
-        <p14:creationId xmlns:p14="http://schemas.microsoft.com/office/powerpoint/2010/main" val="612178649"/>
+        <p14:creationId xmlns:p14="http://schemas.microsoft.com/office/powerpoint/2010/main" val="4205446492"/>
       </p:ext>
     </p:extLst>
   </p:cSld>
@@ -15491,796 +15453,6 @@
 </file>
 
 <file path=ppt/slides/slide4.xml><?xml version="1.0" encoding="utf-8"?>
-<p:sld xmlns:a="http://schemas.openxmlformats.org/drawingml/2006/main" xmlns:r="http://schemas.openxmlformats.org/officeDocument/2006/relationships" xmlns:p="http://schemas.openxmlformats.org/presentationml/2006/main">
-  <p:cSld>
-    <p:spTree>
-      <p:nvGrpSpPr>
-        <p:cNvPr id="1" name=""/>
-        <p:cNvGrpSpPr/>
-        <p:nvPr/>
-      </p:nvGrpSpPr>
-      <p:grpSpPr>
-        <a:xfrm>
-          <a:off x="0" y="0"/>
-          <a:ext cx="0" cy="0"/>
-          <a:chOff x="0" y="0"/>
-          <a:chExt cx="0" cy="0"/>
-        </a:xfrm>
-      </p:grpSpPr>
-      <p:sp>
-        <p:nvSpPr>
-          <p:cNvPr id="2" name="Title 1">
-            <a:extLst>
-              <a:ext uri="{FF2B5EF4-FFF2-40B4-BE49-F238E27FC236}">
-                <a16:creationId xmlns:a16="http://schemas.microsoft.com/office/drawing/2014/main" id="{43F0C8F6-9886-819A-F8AA-D6D1F2306A4C}"/>
-              </a:ext>
-            </a:extLst>
-          </p:cNvPr>
-          <p:cNvSpPr>
-            <a:spLocks noGrp="1"/>
-          </p:cNvSpPr>
-          <p:nvPr>
-            <p:ph type="title"/>
-          </p:nvPr>
-        </p:nvSpPr>
-        <p:spPr/>
-        <p:txBody>
-          <a:bodyPr/>
-          <a:lstStyle/>
-          <a:p>
-            <a:r>
-              <a:rPr lang="en-US" dirty="0"/>
-              <a:t>Table definition</a:t>
-            </a:r>
-          </a:p>
-        </p:txBody>
-      </p:sp>
-      <p:sp>
-        <p:nvSpPr>
-          <p:cNvPr id="3" name="Text Placeholder 2">
-            <a:extLst>
-              <a:ext uri="{FF2B5EF4-FFF2-40B4-BE49-F238E27FC236}">
-                <a16:creationId xmlns:a16="http://schemas.microsoft.com/office/drawing/2014/main" id="{9DACB59A-BECB-6ACF-6F29-9A5A6124513D}"/>
-              </a:ext>
-            </a:extLst>
-          </p:cNvPr>
-          <p:cNvSpPr>
-            <a:spLocks noGrp="1"/>
-          </p:cNvSpPr>
-          <p:nvPr>
-            <p:ph type="body" idx="1"/>
-          </p:nvPr>
-        </p:nvSpPr>
-        <p:spPr/>
-        <p:txBody>
-          <a:bodyPr/>
-          <a:lstStyle/>
-          <a:p>
-            <a:r>
-              <a:rPr lang="en-US" dirty="0">
-                <a:latin typeface="Courier New" panose="02070309020205020404" pitchFamily="49" charset="0"/>
-                <a:cs typeface="Courier New" panose="02070309020205020404" pitchFamily="49" charset="0"/>
-              </a:rPr>
-              <a:t>CREATE TABLE Species (</a:t>
-            </a:r>
-            <a:br>
-              <a:rPr lang="en-US" dirty="0">
-                <a:latin typeface="Courier New" panose="02070309020205020404" pitchFamily="49" charset="0"/>
-                <a:cs typeface="Courier New" panose="02070309020205020404" pitchFamily="49" charset="0"/>
-              </a:rPr>
-            </a:br>
-            <a:r>
-              <a:rPr lang="en-US" dirty="0">
-                <a:latin typeface="Courier New" panose="02070309020205020404" pitchFamily="49" charset="0"/>
-                <a:cs typeface="Courier New" panose="02070309020205020404" pitchFamily="49" charset="0"/>
-              </a:rPr>
-              <a:t>    Code TEXT PRIMARY KEY,</a:t>
-            </a:r>
-            <a:br>
-              <a:rPr lang="en-US" dirty="0">
-                <a:latin typeface="Courier New" panose="02070309020205020404" pitchFamily="49" charset="0"/>
-                <a:cs typeface="Courier New" panose="02070309020205020404" pitchFamily="49" charset="0"/>
-              </a:rPr>
-            </a:br>
-            <a:r>
-              <a:rPr lang="en-US" dirty="0">
-                <a:latin typeface="Courier New" panose="02070309020205020404" pitchFamily="49" charset="0"/>
-                <a:cs typeface="Courier New" panose="02070309020205020404" pitchFamily="49" charset="0"/>
-              </a:rPr>
-              <a:t>    </a:t>
-            </a:r>
-            <a:r>
-              <a:rPr lang="en-US" dirty="0" err="1">
-                <a:latin typeface="Courier New" panose="02070309020205020404" pitchFamily="49" charset="0"/>
-                <a:cs typeface="Courier New" panose="02070309020205020404" pitchFamily="49" charset="0"/>
-              </a:rPr>
-              <a:t>Common_name</a:t>
-            </a:r>
-            <a:r>
-              <a:rPr lang="en-US" dirty="0">
-                <a:latin typeface="Courier New" panose="02070309020205020404" pitchFamily="49" charset="0"/>
-                <a:cs typeface="Courier New" panose="02070309020205020404" pitchFamily="49" charset="0"/>
-              </a:rPr>
-              <a:t> TEXT UNIQUE NOT NULL,</a:t>
-            </a:r>
-            <a:br>
-              <a:rPr lang="en-US" dirty="0">
-                <a:latin typeface="Courier New" panose="02070309020205020404" pitchFamily="49" charset="0"/>
-                <a:cs typeface="Courier New" panose="02070309020205020404" pitchFamily="49" charset="0"/>
-              </a:rPr>
-            </a:br>
-            <a:r>
-              <a:rPr lang="en-US" dirty="0">
-                <a:latin typeface="Courier New" panose="02070309020205020404" pitchFamily="49" charset="0"/>
-                <a:cs typeface="Courier New" panose="02070309020205020404" pitchFamily="49" charset="0"/>
-              </a:rPr>
-              <a:t>    </a:t>
-            </a:r>
-            <a:r>
-              <a:rPr lang="en-US" dirty="0" err="1">
-                <a:latin typeface="Courier New" panose="02070309020205020404" pitchFamily="49" charset="0"/>
-                <a:cs typeface="Courier New" panose="02070309020205020404" pitchFamily="49" charset="0"/>
-              </a:rPr>
-              <a:t>Scientific_name</a:t>
-            </a:r>
-            <a:r>
-              <a:rPr lang="en-US" dirty="0">
-                <a:latin typeface="Courier New" panose="02070309020205020404" pitchFamily="49" charset="0"/>
-                <a:cs typeface="Courier New" panose="02070309020205020404" pitchFamily="49" charset="0"/>
-              </a:rPr>
-              <a:t> TEXT,</a:t>
-            </a:r>
-            <a:br>
-              <a:rPr lang="en-US" dirty="0">
-                <a:latin typeface="Courier New" panose="02070309020205020404" pitchFamily="49" charset="0"/>
-                <a:cs typeface="Courier New" panose="02070309020205020404" pitchFamily="49" charset="0"/>
-              </a:rPr>
-            </a:br>
-            <a:r>
-              <a:rPr lang="en-US" dirty="0">
-                <a:latin typeface="Courier New" panose="02070309020205020404" pitchFamily="49" charset="0"/>
-                <a:cs typeface="Courier New" panose="02070309020205020404" pitchFamily="49" charset="0"/>
-              </a:rPr>
-              <a:t>    Relevance TEXT</a:t>
-            </a:r>
-            <a:br>
-              <a:rPr lang="en-US" dirty="0">
-                <a:latin typeface="Courier New" panose="02070309020205020404" pitchFamily="49" charset="0"/>
-                <a:cs typeface="Courier New" panose="02070309020205020404" pitchFamily="49" charset="0"/>
-              </a:rPr>
-            </a:br>
-            <a:r>
-              <a:rPr lang="en-US" dirty="0">
-                <a:latin typeface="Courier New" panose="02070309020205020404" pitchFamily="49" charset="0"/>
-                <a:cs typeface="Courier New" panose="02070309020205020404" pitchFamily="49" charset="0"/>
-              </a:rPr>
-              <a:t>);</a:t>
-            </a:r>
-          </a:p>
-        </p:txBody>
-      </p:sp>
-      <p:sp>
-        <p:nvSpPr>
-          <p:cNvPr id="4" name="Slide Number Placeholder 3">
-            <a:extLst>
-              <a:ext uri="{FF2B5EF4-FFF2-40B4-BE49-F238E27FC236}">
-                <a16:creationId xmlns:a16="http://schemas.microsoft.com/office/drawing/2014/main" id="{EA612F1B-66CC-62AE-1F3D-6FC76E7D8CF5}"/>
-              </a:ext>
-            </a:extLst>
-          </p:cNvPr>
-          <p:cNvSpPr>
-            <a:spLocks noGrp="1"/>
-          </p:cNvSpPr>
-          <p:nvPr>
-            <p:ph type="sldNum" idx="12"/>
-          </p:nvPr>
-        </p:nvSpPr>
-        <p:spPr/>
-        <p:txBody>
-          <a:bodyPr/>
-          <a:lstStyle/>
-          <a:p>
-            <a:pPr marL="0" lvl="0" indent="0" algn="r" rtl="0">
-              <a:spcBef>
-                <a:spcPts val="0"/>
-              </a:spcBef>
-              <a:spcAft>
-                <a:spcPts val="0"/>
-              </a:spcAft>
-              <a:buNone/>
-            </a:pPr>
-            <a:fld id="{00000000-1234-1234-1234-123412341234}" type="slidenum">
-              <a:rPr lang="en" smtClean="0"/>
-              <a:t>4</a:t>
-            </a:fld>
-            <a:endParaRPr lang="en" dirty="0"/>
-          </a:p>
-        </p:txBody>
-      </p:sp>
-      <p:sp>
-        <p:nvSpPr>
-          <p:cNvPr id="5" name="TextBox 4">
-            <a:extLst>
-              <a:ext uri="{FF2B5EF4-FFF2-40B4-BE49-F238E27FC236}">
-                <a16:creationId xmlns:a16="http://schemas.microsoft.com/office/drawing/2014/main" id="{63FC427F-562F-D7A2-6294-3717386DD1F0}"/>
-              </a:ext>
-            </a:extLst>
-          </p:cNvPr>
-          <p:cNvSpPr txBox="1"/>
-          <p:nvPr/>
-        </p:nvSpPr>
-        <p:spPr>
-          <a:xfrm>
-            <a:off x="5153186" y="2146515"/>
-            <a:ext cx="1805553" cy="369332"/>
-          </a:xfrm>
-          <a:prstGeom prst="rect">
-            <a:avLst/>
-          </a:prstGeom>
-          <a:noFill/>
-        </p:spPr>
-        <p:txBody>
-          <a:bodyPr wrap="square" rtlCol="0">
-            <a:spAutoFit/>
-          </a:bodyPr>
-          <a:lstStyle/>
-          <a:p>
-            <a:r>
-              <a:rPr lang="en-US" sz="1800" b="1" dirty="0">
-                <a:solidFill>
-                  <a:srgbClr val="C00000"/>
-                </a:solidFill>
-                <a:sym typeface="Wingdings" pitchFamily="2" charset="2"/>
-              </a:rPr>
-              <a:t> </a:t>
-            </a:r>
-            <a:r>
-              <a:rPr lang="en-US" sz="1800" b="1" dirty="0">
-                <a:solidFill>
-                  <a:srgbClr val="C00000"/>
-                </a:solidFill>
-              </a:rPr>
-              <a:t>No UNIQUE!</a:t>
-            </a:r>
-          </a:p>
-        </p:txBody>
-      </p:sp>
-    </p:spTree>
-    <p:extLst>
-      <p:ext uri="{BB962C8B-B14F-4D97-AF65-F5344CB8AC3E}">
-        <p14:creationId xmlns:p14="http://schemas.microsoft.com/office/powerpoint/2010/main" val="3397253098"/>
-      </p:ext>
-    </p:extLst>
-  </p:cSld>
-  <p:clrMapOvr>
-    <a:masterClrMapping/>
-  </p:clrMapOvr>
-</p:sld>
-</file>
-
-<file path=ppt/slides/slide5.xml><?xml version="1.0" encoding="utf-8"?>
-<p:sld xmlns:a="http://schemas.openxmlformats.org/drawingml/2006/main" xmlns:r="http://schemas.openxmlformats.org/officeDocument/2006/relationships" xmlns:p="http://schemas.openxmlformats.org/presentationml/2006/main">
-  <p:cSld>
-    <p:spTree>
-      <p:nvGrpSpPr>
-        <p:cNvPr id="1" name=""/>
-        <p:cNvGrpSpPr/>
-        <p:nvPr/>
-      </p:nvGrpSpPr>
-      <p:grpSpPr>
-        <a:xfrm>
-          <a:off x="0" y="0"/>
-          <a:ext cx="0" cy="0"/>
-          <a:chOff x="0" y="0"/>
-          <a:chExt cx="0" cy="0"/>
-        </a:xfrm>
-      </p:grpSpPr>
-      <p:sp>
-        <p:nvSpPr>
-          <p:cNvPr id="2" name="Title 1">
-            <a:extLst>
-              <a:ext uri="{FF2B5EF4-FFF2-40B4-BE49-F238E27FC236}">
-                <a16:creationId xmlns:a16="http://schemas.microsoft.com/office/drawing/2014/main" id="{2F364E19-F1D5-E3E0-EF1C-498E92543628}"/>
-              </a:ext>
-            </a:extLst>
-          </p:cNvPr>
-          <p:cNvSpPr>
-            <a:spLocks noGrp="1"/>
-          </p:cNvSpPr>
-          <p:nvPr>
-            <p:ph type="title"/>
-          </p:nvPr>
-        </p:nvSpPr>
-        <p:spPr/>
-        <p:txBody>
-          <a:bodyPr/>
-          <a:lstStyle/>
-          <a:p>
-            <a:r>
-              <a:rPr lang="en-US" dirty="0"/>
-              <a:t>Examining uniqueness (SQL review)</a:t>
-            </a:r>
-          </a:p>
-        </p:txBody>
-      </p:sp>
-      <p:sp>
-        <p:nvSpPr>
-          <p:cNvPr id="3" name="Text Placeholder 2">
-            <a:extLst>
-              <a:ext uri="{FF2B5EF4-FFF2-40B4-BE49-F238E27FC236}">
-                <a16:creationId xmlns:a16="http://schemas.microsoft.com/office/drawing/2014/main" id="{E5C9F23C-3F0B-E370-E773-1CACC60D4835}"/>
-              </a:ext>
-            </a:extLst>
-          </p:cNvPr>
-          <p:cNvSpPr>
-            <a:spLocks noGrp="1"/>
-          </p:cNvSpPr>
-          <p:nvPr>
-            <p:ph type="body" idx="1"/>
-          </p:nvPr>
-        </p:nvSpPr>
-        <p:spPr/>
-        <p:txBody>
-          <a:bodyPr/>
-          <a:lstStyle/>
-          <a:p>
-            <a:r>
-              <a:rPr lang="en-US" dirty="0"/>
-              <a:t>Number of non-NULL scientific names</a:t>
-            </a:r>
-          </a:p>
-          <a:p>
-            <a:pPr lvl="1"/>
-            <a:r>
-              <a:rPr lang="en-US" dirty="0">
-                <a:latin typeface="Courier New" panose="02070309020205020404" pitchFamily="49" charset="0"/>
-                <a:cs typeface="Courier New" panose="02070309020205020404" pitchFamily="49" charset="0"/>
-              </a:rPr>
-              <a:t>SELECT COUNT(</a:t>
-            </a:r>
-            <a:r>
-              <a:rPr lang="en-US" dirty="0" err="1">
-                <a:latin typeface="Courier New" panose="02070309020205020404" pitchFamily="49" charset="0"/>
-                <a:cs typeface="Courier New" panose="02070309020205020404" pitchFamily="49" charset="0"/>
-              </a:rPr>
-              <a:t>Scientific_name</a:t>
-            </a:r>
-            <a:r>
-              <a:rPr lang="en-US" dirty="0">
-                <a:latin typeface="Courier New" panose="02070309020205020404" pitchFamily="49" charset="0"/>
-                <a:cs typeface="Courier New" panose="02070309020205020404" pitchFamily="49" charset="0"/>
-              </a:rPr>
-              <a:t>) FROM Species;</a:t>
-            </a:r>
-          </a:p>
-          <a:p>
-            <a:r>
-              <a:rPr lang="en-US" dirty="0"/>
-              <a:t>Number of distinct names</a:t>
-            </a:r>
-          </a:p>
-          <a:p>
-            <a:pPr lvl="1"/>
-            <a:r>
-              <a:rPr lang="en-US" dirty="0">
-                <a:latin typeface="Courier New" panose="02070309020205020404" pitchFamily="49" charset="0"/>
-                <a:cs typeface="Courier New" panose="02070309020205020404" pitchFamily="49" charset="0"/>
-              </a:rPr>
-              <a:t>SELECT COUNT(DISTINCT </a:t>
-            </a:r>
-            <a:r>
-              <a:rPr lang="en-US" dirty="0" err="1">
-                <a:latin typeface="Courier New" panose="02070309020205020404" pitchFamily="49" charset="0"/>
-                <a:cs typeface="Courier New" panose="02070309020205020404" pitchFamily="49" charset="0"/>
-              </a:rPr>
-              <a:t>Scientific_name</a:t>
-            </a:r>
-            <a:r>
-              <a:rPr lang="en-US" dirty="0">
-                <a:latin typeface="Courier New" panose="02070309020205020404" pitchFamily="49" charset="0"/>
-                <a:cs typeface="Courier New" panose="02070309020205020404" pitchFamily="49" charset="0"/>
-              </a:rPr>
-              <a:t>) FROM Species;</a:t>
-            </a:r>
-          </a:p>
-          <a:p>
-            <a:r>
-              <a:rPr lang="en-US" dirty="0"/>
-              <a:t>Which names are duplicated?</a:t>
-            </a:r>
-          </a:p>
-          <a:p>
-            <a:pPr lvl="1"/>
-            <a:r>
-              <a:rPr lang="en-US" dirty="0">
-                <a:latin typeface="Courier New" panose="02070309020205020404" pitchFamily="49" charset="0"/>
-                <a:cs typeface="Courier New" panose="02070309020205020404" pitchFamily="49" charset="0"/>
-              </a:rPr>
-              <a:t>SELECT </a:t>
-            </a:r>
-            <a:r>
-              <a:rPr lang="en-US" dirty="0" err="1">
-                <a:latin typeface="Courier New" panose="02070309020205020404" pitchFamily="49" charset="0"/>
-                <a:cs typeface="Courier New" panose="02070309020205020404" pitchFamily="49" charset="0"/>
-              </a:rPr>
-              <a:t>Scientific_name</a:t>
-            </a:r>
-            <a:r>
-              <a:rPr lang="en-US" dirty="0">
-                <a:latin typeface="Courier New" panose="02070309020205020404" pitchFamily="49" charset="0"/>
-                <a:cs typeface="Courier New" panose="02070309020205020404" pitchFamily="49" charset="0"/>
-              </a:rPr>
-              <a:t>, COUNT(*) AS </a:t>
-            </a:r>
-            <a:r>
-              <a:rPr lang="en-US" dirty="0" err="1">
-                <a:latin typeface="Courier New" panose="02070309020205020404" pitchFamily="49" charset="0"/>
-                <a:cs typeface="Courier New" panose="02070309020205020404" pitchFamily="49" charset="0"/>
-              </a:rPr>
-              <a:t>Repetition_count</a:t>
-            </a:r>
-            <a:br>
-              <a:rPr lang="en-US" dirty="0">
-                <a:latin typeface="Courier New" panose="02070309020205020404" pitchFamily="49" charset="0"/>
-                <a:cs typeface="Courier New" panose="02070309020205020404" pitchFamily="49" charset="0"/>
-              </a:rPr>
-            </a:br>
-            <a:r>
-              <a:rPr lang="en-US" dirty="0">
-                <a:latin typeface="Courier New" panose="02070309020205020404" pitchFamily="49" charset="0"/>
-                <a:cs typeface="Courier New" panose="02070309020205020404" pitchFamily="49" charset="0"/>
-              </a:rPr>
-              <a:t>FROM Species</a:t>
-            </a:r>
-            <a:br>
-              <a:rPr lang="en-US" dirty="0">
-                <a:latin typeface="Courier New" panose="02070309020205020404" pitchFamily="49" charset="0"/>
-                <a:cs typeface="Courier New" panose="02070309020205020404" pitchFamily="49" charset="0"/>
-              </a:rPr>
-            </a:br>
-            <a:r>
-              <a:rPr lang="en-US" dirty="0">
-                <a:latin typeface="Courier New" panose="02070309020205020404" pitchFamily="49" charset="0"/>
-                <a:cs typeface="Courier New" panose="02070309020205020404" pitchFamily="49" charset="0"/>
-              </a:rPr>
-              <a:t>GROUP BY </a:t>
-            </a:r>
-            <a:r>
-              <a:rPr lang="en-US" dirty="0" err="1">
-                <a:latin typeface="Courier New" panose="02070309020205020404" pitchFamily="49" charset="0"/>
-                <a:cs typeface="Courier New" panose="02070309020205020404" pitchFamily="49" charset="0"/>
-              </a:rPr>
-              <a:t>Scientific_name</a:t>
-            </a:r>
-            <a:br>
-              <a:rPr lang="en-US" dirty="0">
-                <a:latin typeface="Courier New" panose="02070309020205020404" pitchFamily="49" charset="0"/>
-                <a:cs typeface="Courier New" panose="02070309020205020404" pitchFamily="49" charset="0"/>
-              </a:rPr>
-            </a:br>
-            <a:r>
-              <a:rPr lang="en-US" dirty="0">
-                <a:latin typeface="Courier New" panose="02070309020205020404" pitchFamily="49" charset="0"/>
-                <a:cs typeface="Courier New" panose="02070309020205020404" pitchFamily="49" charset="0"/>
-              </a:rPr>
-              <a:t>HAVING </a:t>
-            </a:r>
-            <a:r>
-              <a:rPr lang="en-US" dirty="0" err="1">
-                <a:latin typeface="Courier New" panose="02070309020205020404" pitchFamily="49" charset="0"/>
-                <a:cs typeface="Courier New" panose="02070309020205020404" pitchFamily="49" charset="0"/>
-              </a:rPr>
-              <a:t>Repetition_count</a:t>
-            </a:r>
-            <a:r>
-              <a:rPr lang="en-US" dirty="0">
-                <a:latin typeface="Courier New" panose="02070309020205020404" pitchFamily="49" charset="0"/>
-                <a:cs typeface="Courier New" panose="02070309020205020404" pitchFamily="49" charset="0"/>
-              </a:rPr>
-              <a:t> &gt; 1;</a:t>
-            </a:r>
-          </a:p>
-          <a:p>
-            <a:r>
-              <a:rPr lang="en-US" dirty="0"/>
-              <a:t>What’s going with those rows?</a:t>
-            </a:r>
-          </a:p>
-          <a:p>
-            <a:pPr lvl="1"/>
-            <a:r>
-              <a:rPr lang="en-US" dirty="0">
-                <a:latin typeface="Courier New" panose="02070309020205020404" pitchFamily="49" charset="0"/>
-                <a:cs typeface="Courier New" panose="02070309020205020404" pitchFamily="49" charset="0"/>
-              </a:rPr>
-              <a:t>SELECT * FROM Species WHERE </a:t>
-            </a:r>
-            <a:r>
-              <a:rPr lang="en-US" dirty="0" err="1">
-                <a:latin typeface="Courier New" panose="02070309020205020404" pitchFamily="49" charset="0"/>
-                <a:cs typeface="Courier New" panose="02070309020205020404" pitchFamily="49" charset="0"/>
-              </a:rPr>
-              <a:t>Scientific_name</a:t>
-            </a:r>
-            <a:r>
-              <a:rPr lang="en-US" dirty="0">
-                <a:latin typeface="Courier New" panose="02070309020205020404" pitchFamily="49" charset="0"/>
-                <a:cs typeface="Courier New" panose="02070309020205020404" pitchFamily="49" charset="0"/>
-              </a:rPr>
-              <a:t> LIKE 'Cygnus%';</a:t>
-            </a:r>
-          </a:p>
-        </p:txBody>
-      </p:sp>
-      <p:sp>
-        <p:nvSpPr>
-          <p:cNvPr id="4" name="Slide Number Placeholder 3">
-            <a:extLst>
-              <a:ext uri="{FF2B5EF4-FFF2-40B4-BE49-F238E27FC236}">
-                <a16:creationId xmlns:a16="http://schemas.microsoft.com/office/drawing/2014/main" id="{A6478B2A-3CF0-DA9C-2449-55D3E67437B0}"/>
-              </a:ext>
-            </a:extLst>
-          </p:cNvPr>
-          <p:cNvSpPr>
-            <a:spLocks noGrp="1"/>
-          </p:cNvSpPr>
-          <p:nvPr>
-            <p:ph type="sldNum" idx="12"/>
-          </p:nvPr>
-        </p:nvSpPr>
-        <p:spPr/>
-        <p:txBody>
-          <a:bodyPr/>
-          <a:lstStyle/>
-          <a:p>
-            <a:pPr marL="0" lvl="0" indent="0" algn="r" rtl="0">
-              <a:spcBef>
-                <a:spcPts val="0"/>
-              </a:spcBef>
-              <a:spcAft>
-                <a:spcPts val="0"/>
-              </a:spcAft>
-              <a:buNone/>
-            </a:pPr>
-            <a:fld id="{00000000-1234-1234-1234-123412341234}" type="slidenum">
-              <a:rPr lang="en" smtClean="0"/>
-              <a:t>5</a:t>
-            </a:fld>
-            <a:endParaRPr lang="en" dirty="0"/>
-          </a:p>
-        </p:txBody>
-      </p:sp>
-    </p:spTree>
-    <p:extLst>
-      <p:ext uri="{BB962C8B-B14F-4D97-AF65-F5344CB8AC3E}">
-        <p14:creationId xmlns:p14="http://schemas.microsoft.com/office/powerpoint/2010/main" val="1708050408"/>
-      </p:ext>
-    </p:extLst>
-  </p:cSld>
-  <p:clrMapOvr>
-    <a:masterClrMapping/>
-  </p:clrMapOvr>
-</p:sld>
-</file>
-
-<file path=ppt/slides/slide6.xml><?xml version="1.0" encoding="utf-8"?>
-<p:sld xmlns:a="http://schemas.openxmlformats.org/drawingml/2006/main" xmlns:r="http://schemas.openxmlformats.org/officeDocument/2006/relationships" xmlns:p="http://schemas.openxmlformats.org/presentationml/2006/main">
-  <p:cSld>
-    <p:spTree>
-      <p:nvGrpSpPr>
-        <p:cNvPr id="1" name=""/>
-        <p:cNvGrpSpPr/>
-        <p:nvPr/>
-      </p:nvGrpSpPr>
-      <p:grpSpPr>
-        <a:xfrm>
-          <a:off x="0" y="0"/>
-          <a:ext cx="0" cy="0"/>
-          <a:chOff x="0" y="0"/>
-          <a:chExt cx="0" cy="0"/>
-        </a:xfrm>
-      </p:grpSpPr>
-      <p:sp>
-        <p:nvSpPr>
-          <p:cNvPr id="2" name="Title 1">
-            <a:extLst>
-              <a:ext uri="{FF2B5EF4-FFF2-40B4-BE49-F238E27FC236}">
-                <a16:creationId xmlns:a16="http://schemas.microsoft.com/office/drawing/2014/main" id="{6FDE4541-5B9E-D991-381A-868087BD1EDB}"/>
-              </a:ext>
-            </a:extLst>
-          </p:cNvPr>
-          <p:cNvSpPr>
-            <a:spLocks noGrp="1"/>
-          </p:cNvSpPr>
-          <p:nvPr>
-            <p:ph type="title"/>
-          </p:nvPr>
-        </p:nvSpPr>
-        <p:spPr/>
-        <p:txBody>
-          <a:bodyPr/>
-          <a:lstStyle/>
-          <a:p>
-            <a:r>
-              <a:rPr lang="en-US" dirty="0"/>
-              <a:t>A tale of two swans</a:t>
-            </a:r>
-          </a:p>
-        </p:txBody>
-      </p:sp>
-      <p:sp>
-        <p:nvSpPr>
-          <p:cNvPr id="3" name="Text Placeholder 2">
-            <a:extLst>
-              <a:ext uri="{FF2B5EF4-FFF2-40B4-BE49-F238E27FC236}">
-                <a16:creationId xmlns:a16="http://schemas.microsoft.com/office/drawing/2014/main" id="{F918BA53-C926-0A1F-763D-E76089E32796}"/>
-              </a:ext>
-            </a:extLst>
-          </p:cNvPr>
-          <p:cNvSpPr>
-            <a:spLocks noGrp="1"/>
-          </p:cNvSpPr>
-          <p:nvPr>
-            <p:ph type="body" idx="1"/>
-          </p:nvPr>
-        </p:nvSpPr>
-        <p:spPr/>
-        <p:txBody>
-          <a:bodyPr/>
-          <a:lstStyle/>
-          <a:p>
-            <a:r>
-              <a:rPr lang="en-US" dirty="0"/>
-              <a:t>“The tundra swan (Cygnus </a:t>
-            </a:r>
-            <a:r>
-              <a:rPr lang="en-US" dirty="0" err="1"/>
-              <a:t>columbianus</a:t>
-            </a:r>
-            <a:r>
-              <a:rPr lang="en-US" dirty="0"/>
-              <a:t>) is a small swan of the Holarctic. The two taxa within it are usually regarded as conspecific, but are also sometimes split into two species: </a:t>
-            </a:r>
-            <a:r>
-              <a:rPr lang="en-US" dirty="0" err="1"/>
-              <a:t>Bewick's</a:t>
-            </a:r>
-            <a:r>
-              <a:rPr lang="en-US" dirty="0"/>
-              <a:t> swan…” [1]</a:t>
-            </a:r>
-          </a:p>
-          <a:p>
-            <a:pPr lvl="1"/>
-            <a:r>
-              <a:rPr lang="en-US" dirty="0">
-                <a:latin typeface="Avenir Book" panose="02000503020000020003" pitchFamily="2" charset="0"/>
-              </a:rPr>
-              <a:t>Ergo, duplication is intentional</a:t>
-            </a:r>
-          </a:p>
-          <a:p>
-            <a:pPr lvl="1"/>
-            <a:endParaRPr lang="en-US" dirty="0"/>
-          </a:p>
-          <a:p>
-            <a:r>
-              <a:rPr lang="en-US" dirty="0"/>
-              <a:t>Takeaway: schema itself tells us</a:t>
-            </a:r>
-          </a:p>
-        </p:txBody>
-      </p:sp>
-      <p:sp>
-        <p:nvSpPr>
-          <p:cNvPr id="4" name="Slide Number Placeholder 3">
-            <a:extLst>
-              <a:ext uri="{FF2B5EF4-FFF2-40B4-BE49-F238E27FC236}">
-                <a16:creationId xmlns:a16="http://schemas.microsoft.com/office/drawing/2014/main" id="{3DEC8E5A-FE26-6E10-BC54-D7A37556CA5E}"/>
-              </a:ext>
-            </a:extLst>
-          </p:cNvPr>
-          <p:cNvSpPr>
-            <a:spLocks noGrp="1"/>
-          </p:cNvSpPr>
-          <p:nvPr>
-            <p:ph type="sldNum" idx="12"/>
-          </p:nvPr>
-        </p:nvSpPr>
-        <p:spPr/>
-        <p:txBody>
-          <a:bodyPr/>
-          <a:lstStyle/>
-          <a:p>
-            <a:pPr marL="0" lvl="0" indent="0" algn="r" rtl="0">
-              <a:spcBef>
-                <a:spcPts val="0"/>
-              </a:spcBef>
-              <a:spcAft>
-                <a:spcPts val="0"/>
-              </a:spcAft>
-              <a:buNone/>
-            </a:pPr>
-            <a:fld id="{00000000-1234-1234-1234-123412341234}" type="slidenum">
-              <a:rPr lang="en" smtClean="0"/>
-              <a:t>6</a:t>
-            </a:fld>
-            <a:endParaRPr lang="en" dirty="0"/>
-          </a:p>
-        </p:txBody>
-      </p:sp>
-      <p:sp>
-        <p:nvSpPr>
-          <p:cNvPr id="5" name="TextBox 4">
-            <a:extLst>
-              <a:ext uri="{FF2B5EF4-FFF2-40B4-BE49-F238E27FC236}">
-                <a16:creationId xmlns:a16="http://schemas.microsoft.com/office/drawing/2014/main" id="{B15206BA-27E8-C531-726E-D9F8D9B2DFA0}"/>
-              </a:ext>
-            </a:extLst>
-          </p:cNvPr>
-          <p:cNvSpPr txBox="1"/>
-          <p:nvPr/>
-        </p:nvSpPr>
-        <p:spPr>
-          <a:xfrm>
-            <a:off x="395207" y="4698475"/>
-            <a:ext cx="3826689" cy="307777"/>
-          </a:xfrm>
-          <a:prstGeom prst="rect">
-            <a:avLst/>
-          </a:prstGeom>
-          <a:noFill/>
-        </p:spPr>
-        <p:txBody>
-          <a:bodyPr wrap="none" rtlCol="0">
-            <a:spAutoFit/>
-          </a:bodyPr>
-          <a:lstStyle/>
-          <a:p>
-            <a:r>
-              <a:rPr lang="en-US" dirty="0">
-                <a:latin typeface="Avenir Book" panose="02000503020000020003" pitchFamily="2" charset="0"/>
-              </a:rPr>
-              <a:t>[1] https://</a:t>
-            </a:r>
-            <a:r>
-              <a:rPr lang="en-US" dirty="0" err="1">
-                <a:latin typeface="Avenir Book" panose="02000503020000020003" pitchFamily="2" charset="0"/>
-              </a:rPr>
-              <a:t>en.wikipedia.org</a:t>
-            </a:r>
-            <a:r>
-              <a:rPr lang="en-US" dirty="0">
-                <a:latin typeface="Avenir Book" panose="02000503020000020003" pitchFamily="2" charset="0"/>
-              </a:rPr>
-              <a:t>/wiki/</a:t>
-            </a:r>
-            <a:r>
-              <a:rPr lang="en-US" dirty="0" err="1">
-                <a:latin typeface="Avenir Book" panose="02000503020000020003" pitchFamily="2" charset="0"/>
-              </a:rPr>
-              <a:t>Tundra_swan</a:t>
-            </a:r>
-            <a:endParaRPr lang="en-US" dirty="0">
-              <a:latin typeface="Avenir Book" panose="02000503020000020003" pitchFamily="2" charset="0"/>
-            </a:endParaRPr>
-          </a:p>
-        </p:txBody>
-      </p:sp>
-    </p:spTree>
-    <p:extLst>
-      <p:ext uri="{BB962C8B-B14F-4D97-AF65-F5344CB8AC3E}">
-        <p14:creationId xmlns:p14="http://schemas.microsoft.com/office/powerpoint/2010/main" val="3883851099"/>
-      </p:ext>
-    </p:extLst>
-  </p:cSld>
-  <p:clrMapOvr>
-    <a:masterClrMapping/>
-  </p:clrMapOvr>
-</p:sld>
-</file>
-
-<file path=ppt/slides/slide7.xml><?xml version="1.0" encoding="utf-8"?>
 <p:sld xmlns:a="http://schemas.openxmlformats.org/drawingml/2006/main" xmlns:r="http://schemas.openxmlformats.org/officeDocument/2006/relationships" xmlns:p="http://schemas.openxmlformats.org/presentationml/2006/main">
   <p:cSld>
     <p:spTree>
@@ -16359,7 +15531,19 @@
               <a:rPr lang="en-US" dirty="0">
                 <a:latin typeface="Avenir Book" panose="02000503020000020003" pitchFamily="2" charset="0"/>
               </a:rPr>
-              <a:t>Database specified by quasi-URL (for SQLite, filename)</a:t>
+              <a:t>Database specified by URL (for </a:t>
+            </a:r>
+            <a:r>
+              <a:rPr lang="en-US" dirty="0" err="1">
+                <a:latin typeface="Avenir Book" panose="02000503020000020003" pitchFamily="2" charset="0"/>
+              </a:rPr>
+              <a:t>DuckDB</a:t>
+            </a:r>
+            <a:r>
+              <a:rPr lang="en-US" dirty="0">
+                <a:latin typeface="Avenir Book" panose="02000503020000020003" pitchFamily="2" charset="0"/>
+              </a:rPr>
+              <a:t>, filename)</a:t>
             </a:r>
           </a:p>
           <a:p>
@@ -16368,13 +15552,13 @@
               <a:rPr lang="en-US" dirty="0">
                 <a:latin typeface="Avenir Book" panose="02000503020000020003" pitchFamily="2" charset="0"/>
               </a:rPr>
-              <a:t>Expensive, one per application generally</a:t>
+              <a:t>Usually done once per program invocation</a:t>
             </a:r>
           </a:p>
           <a:p>
             <a:r>
               <a:rPr lang="en-US" dirty="0"/>
-              <a:t>Create “cursor”</a:t>
+              <a:t>Create cursor(s)</a:t>
             </a:r>
           </a:p>
           <a:p>
@@ -16383,7 +15567,7 @@
               <a:rPr lang="en-US" dirty="0">
                 <a:latin typeface="Avenir Book" panose="02000503020000020003" pitchFamily="2" charset="0"/>
               </a:rPr>
-              <a:t>Lightweight object</a:t>
+              <a:t>Manages SQL submission, results retrieval</a:t>
             </a:r>
           </a:p>
           <a:p>
@@ -16392,22 +15576,13 @@
               <a:rPr lang="en-US" dirty="0">
                 <a:latin typeface="Avenir Book" panose="02000503020000020003" pitchFamily="2" charset="0"/>
               </a:rPr>
-              <a:t>Submits SQL statement, manages retrieval of results</a:t>
-            </a:r>
-          </a:p>
-          <a:p>
-            <a:pPr lvl="1"/>
-            <a:r>
-              <a:rPr lang="en-US" dirty="0">
-                <a:latin typeface="Avenir Book" panose="02000503020000020003" pitchFamily="2" charset="0"/>
-              </a:rPr>
-              <a:t>Can be reused, can run multiple cursors in parallel</a:t>
+              <a:t>Can be reused; can run multiple cursors in parallel</a:t>
             </a:r>
           </a:p>
           <a:p>
             <a:r>
               <a:rPr lang="en-US" dirty="0"/>
-              <a:t>Formulate SQL query as a string</a:t>
+              <a:t>Formulate SQL statement as a string</a:t>
             </a:r>
           </a:p>
           <a:p>
@@ -16433,7 +15608,7 @@
                 <a:latin typeface="Courier New" panose="02070309020205020404" pitchFamily="49" charset="0"/>
                 <a:cs typeface="Courier New" panose="02070309020205020404" pitchFamily="49" charset="0"/>
               </a:rPr>
-              <a:t>c.execute</a:t>
+              <a:t>cur.execute</a:t>
             </a:r>
             <a:r>
               <a:rPr lang="en-US" dirty="0">
@@ -16446,7 +15621,7 @@
           <a:p>
             <a:r>
               <a:rPr lang="en-US" dirty="0"/>
-              <a:t>Fetch results, all or one at a time</a:t>
+              <a:t>Fetch results</a:t>
             </a:r>
           </a:p>
           <a:p>
@@ -16456,14 +15631,28 @@
                 <a:latin typeface="Courier New" panose="02070309020205020404" pitchFamily="49" charset="0"/>
                 <a:cs typeface="Courier New" panose="02070309020205020404" pitchFamily="49" charset="0"/>
               </a:rPr>
-              <a:t>c.fetchall</a:t>
+              <a:t>cur.fetchall</a:t>
             </a:r>
             <a:r>
               <a:rPr lang="en-US" dirty="0">
                 <a:latin typeface="Courier New" panose="02070309020205020404" pitchFamily="49" charset="0"/>
                 <a:cs typeface="Courier New" panose="02070309020205020404" pitchFamily="49" charset="0"/>
               </a:rPr>
-              <a:t>()</a:t>
+              <a:t>(), </a:t>
+            </a:r>
+            <a:r>
+              <a:rPr lang="en-US" dirty="0" err="1">
+                <a:latin typeface="Courier New" panose="02070309020205020404" pitchFamily="49" charset="0"/>
+                <a:cs typeface="Courier New" panose="02070309020205020404" pitchFamily="49" charset="0"/>
+              </a:rPr>
+              <a:t>cur.fetchone</a:t>
+            </a:r>
+            <a:r>
+              <a:rPr lang="en-US" dirty="0">
+                <a:latin typeface="Courier New" panose="02070309020205020404" pitchFamily="49" charset="0"/>
+                <a:cs typeface="Courier New" panose="02070309020205020404" pitchFamily="49" charset="0"/>
+              </a:rPr>
+              <a:t>(), …</a:t>
             </a:r>
           </a:p>
         </p:txBody>
@@ -16500,7 +15689,7 @@
             </a:pPr>
             <a:fld id="{00000000-1234-1234-1234-123412341234}" type="slidenum">
               <a:rPr lang="en" smtClean="0"/>
-              <a:t>7</a:t>
+              <a:t>4</a:t>
             </a:fld>
             <a:endParaRPr lang="en" dirty="0"/>
           </a:p>

--- a/modules/week06/slides-06.pptx
+++ b/modules/week06/slides-06.pptx
@@ -18,32 +18,39 @@
   <p:notesSz cx="6858000" cy="9144000"/>
   <p:embeddedFontLst>
     <p:embeddedFont>
-      <p:font typeface="Avenir" panose="02000503020000020003" pitchFamily="2" charset="0"/>
+      <p:font typeface="Avenir"/>
       <p:regular r:id="rId8"/>
       <p:italic r:id="rId9"/>
     </p:embeddedFont>
     <p:embeddedFont>
-      <p:font typeface="Avenir Book" panose="02000503020000020003" pitchFamily="2" charset="0"/>
+      <p:font typeface="Avenir Book" panose="02000503020000020003"/>
       <p:regular r:id="rId10"/>
       <p:italic r:id="rId11"/>
     </p:embeddedFont>
     <p:embeddedFont>
-      <p:font typeface="Century Gothic" panose="020B0502020202020204" pitchFamily="34" charset="0"/>
+      <p:font typeface="Calibri" panose="020F0502020204030204" pitchFamily="34" charset="0"/>
       <p:regular r:id="rId12"/>
       <p:bold r:id="rId13"/>
       <p:italic r:id="rId14"/>
       <p:boldItalic r:id="rId15"/>
     </p:embeddedFont>
     <p:embeddedFont>
-      <p:font typeface="Lobster" pitchFamily="2" charset="77"/>
+      <p:font typeface="Century Gothic" panose="020B0502020202020204" pitchFamily="34" charset="0"/>
       <p:regular r:id="rId16"/>
+      <p:bold r:id="rId17"/>
+      <p:italic r:id="rId18"/>
+      <p:boldItalic r:id="rId19"/>
     </p:embeddedFont>
     <p:embeddedFont>
-      <p:font typeface="Nunito Sans" pitchFamily="2" charset="77"/>
-      <p:regular r:id="rId17"/>
-      <p:bold r:id="rId18"/>
-      <p:italic r:id="rId19"/>
-      <p:boldItalic r:id="rId20"/>
+      <p:font typeface="Lobster"/>
+      <p:regular r:id="rId20"/>
+    </p:embeddedFont>
+    <p:embeddedFont>
+      <p:font typeface="Nunito Sans"/>
+      <p:regular r:id="rId21"/>
+      <p:bold r:id="rId22"/>
+      <p:italic r:id="rId23"/>
+      <p:boldItalic r:id="rId24"/>
     </p:embeddedFont>
   </p:embeddedFontLst>
   <p:defaultTextStyle>
@@ -15075,19 +15082,7 @@
                 <a:cs typeface="Nunito Sans"/>
                 <a:sym typeface="Nunito Sans"/>
               </a:rPr>
-              <a:t>Week </a:t>
-            </a:r>
-            <a:r>
-              <a:rPr lang="en-US" sz="1500" b="1" dirty="0">
-                <a:solidFill>
-                  <a:schemeClr val="lt2"/>
-                </a:solidFill>
-                <a:latin typeface="Nunito Sans"/>
-                <a:ea typeface="Nunito Sans"/>
-                <a:cs typeface="Nunito Sans"/>
-                <a:sym typeface="Nunito Sans"/>
-              </a:rPr>
-              <a:t>7</a:t>
+              <a:t>Week 6</a:t>
             </a:r>
             <a:endParaRPr sz="1500" b="1" dirty="0">
               <a:solidFill>
@@ -15356,6 +15351,13 @@
           </a:p>
           <a:p>
             <a:pPr lvl="1"/>
+            <a:r>
+              <a:rPr lang="en-US" dirty="0"/>
+              <a:t>Create cool data visualizations</a:t>
+            </a:r>
+          </a:p>
+          <a:p>
+            <a:pPr lvl="1"/>
             <a:endParaRPr lang="en-US" dirty="0"/>
           </a:p>
           <a:p>
@@ -15368,11 +15370,7 @@
             <a:pPr lvl="1"/>
             <a:r>
               <a:rPr lang="en-US" dirty="0"/>
-              <a:t>E.g</a:t>
-            </a:r>
-            <a:r>
-              <a:rPr lang="en-US"/>
-              <a:t>., Shiny</a:t>
+              <a:t>E.g., Shiny</a:t>
             </a:r>
           </a:p>
           <a:p>
